--- a/doc/#1_basic/Basic_class_03.pptx
+++ b/doc/#1_basic/Basic_class_03.pptx
@@ -291,7 +291,7 @@
           <a:p>
             <a:fld id="{DBEFAE78-189D-4A7D-9189-B6B2058620B8}" type="datetimeFigureOut">
               <a:rPr lang="ko-KR" altLang="en-US" smtClean="0"/>
-              <a:t>2020-12-26</a:t>
+              <a:t>2021-07-25</a:t>
             </a:fld>
             <a:endParaRPr lang="ko-KR" altLang="en-US"/>
           </a:p>
@@ -700,7 +700,7 @@
           <a:p>
             <a:fld id="{1D8BD707-D9CF-40AE-B4C6-C98DA3205C09}" type="datetimeFigureOut">
               <a:rPr lang="en-US" smtClean="0"/>
-              <a:t>12/26/2020</a:t>
+              <a:t>7/25/2021</a:t>
             </a:fld>
             <a:endParaRPr lang="en-US"/>
           </a:p>
@@ -870,7 +870,7 @@
           <a:p>
             <a:fld id="{1D8BD707-D9CF-40AE-B4C6-C98DA3205C09}" type="datetimeFigureOut">
               <a:rPr lang="en-US" smtClean="0"/>
-              <a:t>12/26/2020</a:t>
+              <a:t>7/25/2021</a:t>
             </a:fld>
             <a:endParaRPr lang="en-US"/>
           </a:p>
@@ -1050,7 +1050,7 @@
           <a:p>
             <a:fld id="{1D8BD707-D9CF-40AE-B4C6-C98DA3205C09}" type="datetimeFigureOut">
               <a:rPr lang="en-US" smtClean="0"/>
-              <a:t>12/26/2020</a:t>
+              <a:t>7/25/2021</a:t>
             </a:fld>
             <a:endParaRPr lang="en-US"/>
           </a:p>
@@ -1220,7 +1220,7 @@
           <a:p>
             <a:fld id="{1D8BD707-D9CF-40AE-B4C6-C98DA3205C09}" type="datetimeFigureOut">
               <a:rPr lang="en-US" smtClean="0"/>
-              <a:t>12/26/2020</a:t>
+              <a:t>7/25/2021</a:t>
             </a:fld>
             <a:endParaRPr lang="en-US"/>
           </a:p>
@@ -1471,7 +1471,7 @@
           <a:p>
             <a:fld id="{1D8BD707-D9CF-40AE-B4C6-C98DA3205C09}" type="datetimeFigureOut">
               <a:rPr lang="en-US" smtClean="0"/>
-              <a:t>12/26/2020</a:t>
+              <a:t>7/25/2021</a:t>
             </a:fld>
             <a:endParaRPr lang="en-US"/>
           </a:p>
@@ -1703,7 +1703,7 @@
           <a:p>
             <a:fld id="{1D8BD707-D9CF-40AE-B4C6-C98DA3205C09}" type="datetimeFigureOut">
               <a:rPr lang="en-US" smtClean="0"/>
-              <a:t>12/26/2020</a:t>
+              <a:t>7/25/2021</a:t>
             </a:fld>
             <a:endParaRPr lang="en-US"/>
           </a:p>
@@ -2050,7 +2050,7 @@
           <a:p>
             <a:fld id="{1D8BD707-D9CF-40AE-B4C6-C98DA3205C09}" type="datetimeFigureOut">
               <a:rPr lang="en-US" smtClean="0"/>
-              <a:t>12/26/2020</a:t>
+              <a:t>7/25/2021</a:t>
             </a:fld>
             <a:endParaRPr lang="en-US"/>
           </a:p>
@@ -2168,7 +2168,7 @@
           <a:p>
             <a:fld id="{1D8BD707-D9CF-40AE-B4C6-C98DA3205C09}" type="datetimeFigureOut">
               <a:rPr lang="en-US" smtClean="0"/>
-              <a:t>12/26/2020</a:t>
+              <a:t>7/25/2021</a:t>
             </a:fld>
             <a:endParaRPr lang="en-US"/>
           </a:p>
@@ -2286,7 +2286,7 @@
           <a:p>
             <a:fld id="{1D8BD707-D9CF-40AE-B4C6-C98DA3205C09}" type="datetimeFigureOut">
               <a:rPr lang="en-US" smtClean="0"/>
-              <a:t>12/26/2020</a:t>
+              <a:t>7/25/2021</a:t>
             </a:fld>
             <a:endParaRPr lang="en-US"/>
           </a:p>
@@ -2570,7 +2570,7 @@
           <a:p>
             <a:fld id="{1D8BD707-D9CF-40AE-B4C6-C98DA3205C09}" type="datetimeFigureOut">
               <a:rPr lang="en-US" smtClean="0"/>
-              <a:t>12/26/2020</a:t>
+              <a:t>7/25/2021</a:t>
             </a:fld>
             <a:endParaRPr lang="en-US"/>
           </a:p>
@@ -2834,7 +2834,7 @@
           <a:p>
             <a:fld id="{1D8BD707-D9CF-40AE-B4C6-C98DA3205C09}" type="datetimeFigureOut">
               <a:rPr lang="en-US" smtClean="0"/>
-              <a:t>12/26/2020</a:t>
+              <a:t>7/25/2021</a:t>
             </a:fld>
             <a:endParaRPr lang="en-US"/>
           </a:p>
@@ -3048,7 +3048,7 @@
           <a:p>
             <a:fld id="{1D8BD707-D9CF-40AE-B4C6-C98DA3205C09}" type="datetimeFigureOut">
               <a:rPr lang="en-US" smtClean="0"/>
-              <a:t>12/26/2020</a:t>
+              <a:t>7/25/2021</a:t>
             </a:fld>
             <a:endParaRPr lang="en-US"/>
           </a:p>
